--- a/ppt 16-9/0214.牧人迎主.pptx
+++ b/ppt 16-9/0214.牧人迎主.pptx
@@ -5,7 +5,7 @@
     <p:sldMasterId id="2147483648" r:id="rId1"/>
   </p:sldMasterIdLst>
   <p:sldIdLst>
-    <p:sldId id="2863" r:id="rId2"/>
+    <p:sldId id="2866" r:id="rId2"/>
   </p:sldIdLst>
   <p:sldSz cx="12192000" cy="6858000"/>
   <p:notesSz cx="6858000" cy="9144000"/>
@@ -129,7 +129,7 @@
           <p:cNvPr id="2" name="标题 1">
             <a:extLst>
               <a:ext uri="{FF2B5EF4-FFF2-40B4-BE49-F238E27FC236}">
-                <a16:creationId xmlns:a16="http://schemas.microsoft.com/office/drawing/2014/main" id="{8C7D3B06-276A-5FFD-CB23-7EE386907C14}"/>
+                <a16:creationId xmlns:a16="http://schemas.microsoft.com/office/drawing/2014/main" id="{D0BAAE8B-3F6B-AE59-DF78-AC1792C9029B}"/>
               </a:ext>
             </a:extLst>
           </p:cNvPr>
@@ -166,7 +166,7 @@
           <p:cNvPr id="3" name="副标题 2">
             <a:extLst>
               <a:ext uri="{FF2B5EF4-FFF2-40B4-BE49-F238E27FC236}">
-                <a16:creationId xmlns:a16="http://schemas.microsoft.com/office/drawing/2014/main" id="{072657DA-D685-AD45-CACA-A9A0F2847D97}"/>
+                <a16:creationId xmlns:a16="http://schemas.microsoft.com/office/drawing/2014/main" id="{0BB9908A-19F2-4331-DAA8-8E7E24543597}"/>
               </a:ext>
             </a:extLst>
           </p:cNvPr>
@@ -236,7 +236,7 @@
           <p:cNvPr id="4" name="日期占位符 3">
             <a:extLst>
               <a:ext uri="{FF2B5EF4-FFF2-40B4-BE49-F238E27FC236}">
-                <a16:creationId xmlns:a16="http://schemas.microsoft.com/office/drawing/2014/main" id="{5AD35872-19FE-13D4-0936-A45D4B12276B}"/>
+                <a16:creationId xmlns:a16="http://schemas.microsoft.com/office/drawing/2014/main" id="{38416E0F-0B25-E78C-F915-F776B99F305D}"/>
               </a:ext>
             </a:extLst>
           </p:cNvPr>
@@ -252,7 +252,7 @@
           <a:bodyPr/>
           <a:lstStyle/>
           <a:p>
-            <a:fld id="{264DD263-0915-4BA5-B3B5-90FA4F5FDA3E}" type="datetimeFigureOut">
+            <a:fld id="{7F7FE9D2-5647-4463-AB7D-7D482545BFD3}" type="datetimeFigureOut">
               <a:rPr lang="zh-CN" altLang="en-US" smtClean="0"/>
               <a:t>2024/3/10</a:t>
             </a:fld>
@@ -265,7 +265,7 @@
           <p:cNvPr id="5" name="页脚占位符 4">
             <a:extLst>
               <a:ext uri="{FF2B5EF4-FFF2-40B4-BE49-F238E27FC236}">
-                <a16:creationId xmlns:a16="http://schemas.microsoft.com/office/drawing/2014/main" id="{C1899C3A-87DF-9551-21E7-CD410418A1CE}"/>
+                <a16:creationId xmlns:a16="http://schemas.microsoft.com/office/drawing/2014/main" id="{2807C6B4-6BE2-2AA6-A148-69F427A6B84D}"/>
               </a:ext>
             </a:extLst>
           </p:cNvPr>
@@ -290,7 +290,7 @@
           <p:cNvPr id="6" name="灯片编号占位符 5">
             <a:extLst>
               <a:ext uri="{FF2B5EF4-FFF2-40B4-BE49-F238E27FC236}">
-                <a16:creationId xmlns:a16="http://schemas.microsoft.com/office/drawing/2014/main" id="{EB68F143-295A-C777-24DF-3836E8CC289D}"/>
+                <a16:creationId xmlns:a16="http://schemas.microsoft.com/office/drawing/2014/main" id="{20C36F8F-D9C8-9EA2-78B9-C44DA19B8F5E}"/>
               </a:ext>
             </a:extLst>
           </p:cNvPr>
@@ -306,7 +306,7 @@
           <a:bodyPr/>
           <a:lstStyle/>
           <a:p>
-            <a:fld id="{F60FE5F5-34C6-4A45-820E-B1323A91B391}" type="slidenum">
+            <a:fld id="{B95739DD-2CEB-46DF-BD73-F173C35F0E05}" type="slidenum">
               <a:rPr lang="zh-CN" altLang="en-US" smtClean="0"/>
               <a:t>‹#›</a:t>
             </a:fld>
@@ -317,7 +317,7 @@
     </p:spTree>
     <p:extLst>
       <p:ext uri="{BB962C8B-B14F-4D97-AF65-F5344CB8AC3E}">
-        <p14:creationId xmlns:p14="http://schemas.microsoft.com/office/powerpoint/2010/main" val="98977982"/>
+        <p14:creationId xmlns:p14="http://schemas.microsoft.com/office/powerpoint/2010/main" val="2544216944"/>
       </p:ext>
     </p:extLst>
   </p:cSld>
@@ -349,7 +349,7 @@
           <p:cNvPr id="2" name="标题 1">
             <a:extLst>
               <a:ext uri="{FF2B5EF4-FFF2-40B4-BE49-F238E27FC236}">
-                <a16:creationId xmlns:a16="http://schemas.microsoft.com/office/drawing/2014/main" id="{5F0712BF-0137-CC6A-F7EE-9C7541B11676}"/>
+                <a16:creationId xmlns:a16="http://schemas.microsoft.com/office/drawing/2014/main" id="{A55B0031-15F1-4744-93CE-BAC6DB462B19}"/>
               </a:ext>
             </a:extLst>
           </p:cNvPr>
@@ -377,7 +377,7 @@
           <p:cNvPr id="3" name="竖排文字占位符 2">
             <a:extLst>
               <a:ext uri="{FF2B5EF4-FFF2-40B4-BE49-F238E27FC236}">
-                <a16:creationId xmlns:a16="http://schemas.microsoft.com/office/drawing/2014/main" id="{FCCF397A-3058-C8B9-B955-83B6517DFE74}"/>
+                <a16:creationId xmlns:a16="http://schemas.microsoft.com/office/drawing/2014/main" id="{C898D5F3-026D-0E2D-2077-1A6DF5322465}"/>
               </a:ext>
             </a:extLst>
           </p:cNvPr>
@@ -434,7 +434,7 @@
           <p:cNvPr id="4" name="日期占位符 3">
             <a:extLst>
               <a:ext uri="{FF2B5EF4-FFF2-40B4-BE49-F238E27FC236}">
-                <a16:creationId xmlns:a16="http://schemas.microsoft.com/office/drawing/2014/main" id="{2845B48B-0DF2-545B-15B8-E3140536186E}"/>
+                <a16:creationId xmlns:a16="http://schemas.microsoft.com/office/drawing/2014/main" id="{8E8361C4-D009-67E5-D7E6-92AF97F999B0}"/>
               </a:ext>
             </a:extLst>
           </p:cNvPr>
@@ -450,7 +450,7 @@
           <a:bodyPr/>
           <a:lstStyle/>
           <a:p>
-            <a:fld id="{264DD263-0915-4BA5-B3B5-90FA4F5FDA3E}" type="datetimeFigureOut">
+            <a:fld id="{7F7FE9D2-5647-4463-AB7D-7D482545BFD3}" type="datetimeFigureOut">
               <a:rPr lang="zh-CN" altLang="en-US" smtClean="0"/>
               <a:t>2024/3/10</a:t>
             </a:fld>
@@ -463,7 +463,7 @@
           <p:cNvPr id="5" name="页脚占位符 4">
             <a:extLst>
               <a:ext uri="{FF2B5EF4-FFF2-40B4-BE49-F238E27FC236}">
-                <a16:creationId xmlns:a16="http://schemas.microsoft.com/office/drawing/2014/main" id="{F5DF6526-FD81-6CA6-A7C3-7982168D452E}"/>
+                <a16:creationId xmlns:a16="http://schemas.microsoft.com/office/drawing/2014/main" id="{ED6A8641-DEDE-6842-C389-8AC5AB539C93}"/>
               </a:ext>
             </a:extLst>
           </p:cNvPr>
@@ -488,7 +488,7 @@
           <p:cNvPr id="6" name="灯片编号占位符 5">
             <a:extLst>
               <a:ext uri="{FF2B5EF4-FFF2-40B4-BE49-F238E27FC236}">
-                <a16:creationId xmlns:a16="http://schemas.microsoft.com/office/drawing/2014/main" id="{60858040-8EBC-4F3A-6A4E-AE288080F142}"/>
+                <a16:creationId xmlns:a16="http://schemas.microsoft.com/office/drawing/2014/main" id="{4BC5F33B-0AB5-EBF9-5BBE-FBC2D1537546}"/>
               </a:ext>
             </a:extLst>
           </p:cNvPr>
@@ -504,7 +504,7 @@
           <a:bodyPr/>
           <a:lstStyle/>
           <a:p>
-            <a:fld id="{F60FE5F5-34C6-4A45-820E-B1323A91B391}" type="slidenum">
+            <a:fld id="{B95739DD-2CEB-46DF-BD73-F173C35F0E05}" type="slidenum">
               <a:rPr lang="zh-CN" altLang="en-US" smtClean="0"/>
               <a:t>‹#›</a:t>
             </a:fld>
@@ -515,7 +515,7 @@
     </p:spTree>
     <p:extLst>
       <p:ext uri="{BB962C8B-B14F-4D97-AF65-F5344CB8AC3E}">
-        <p14:creationId xmlns:p14="http://schemas.microsoft.com/office/powerpoint/2010/main" val="1455181619"/>
+        <p14:creationId xmlns:p14="http://schemas.microsoft.com/office/powerpoint/2010/main" val="3171283949"/>
       </p:ext>
     </p:extLst>
   </p:cSld>
@@ -547,7 +547,7 @@
           <p:cNvPr id="2" name="竖排标题 1">
             <a:extLst>
               <a:ext uri="{FF2B5EF4-FFF2-40B4-BE49-F238E27FC236}">
-                <a16:creationId xmlns:a16="http://schemas.microsoft.com/office/drawing/2014/main" id="{96FC5FDE-BEE4-2F19-FE75-369F0CFB7A18}"/>
+                <a16:creationId xmlns:a16="http://schemas.microsoft.com/office/drawing/2014/main" id="{410AA01D-64CE-0F28-1396-86EB29070FA5}"/>
               </a:ext>
             </a:extLst>
           </p:cNvPr>
@@ -580,7 +580,7 @@
           <p:cNvPr id="3" name="竖排文字占位符 2">
             <a:extLst>
               <a:ext uri="{FF2B5EF4-FFF2-40B4-BE49-F238E27FC236}">
-                <a16:creationId xmlns:a16="http://schemas.microsoft.com/office/drawing/2014/main" id="{4E3364E7-5FFA-010F-36D2-50BF73165241}"/>
+                <a16:creationId xmlns:a16="http://schemas.microsoft.com/office/drawing/2014/main" id="{824D73D3-0D55-EA43-3FBA-C73B5202952F}"/>
               </a:ext>
             </a:extLst>
           </p:cNvPr>
@@ -642,7 +642,7 @@
           <p:cNvPr id="4" name="日期占位符 3">
             <a:extLst>
               <a:ext uri="{FF2B5EF4-FFF2-40B4-BE49-F238E27FC236}">
-                <a16:creationId xmlns:a16="http://schemas.microsoft.com/office/drawing/2014/main" id="{4D6ADC0C-55B0-17A5-F30B-DCB7D50300AC}"/>
+                <a16:creationId xmlns:a16="http://schemas.microsoft.com/office/drawing/2014/main" id="{801F1B62-B221-9BDD-EC56-40D862A49321}"/>
               </a:ext>
             </a:extLst>
           </p:cNvPr>
@@ -658,7 +658,7 @@
           <a:bodyPr/>
           <a:lstStyle/>
           <a:p>
-            <a:fld id="{264DD263-0915-4BA5-B3B5-90FA4F5FDA3E}" type="datetimeFigureOut">
+            <a:fld id="{7F7FE9D2-5647-4463-AB7D-7D482545BFD3}" type="datetimeFigureOut">
               <a:rPr lang="zh-CN" altLang="en-US" smtClean="0"/>
               <a:t>2024/3/10</a:t>
             </a:fld>
@@ -671,7 +671,7 @@
           <p:cNvPr id="5" name="页脚占位符 4">
             <a:extLst>
               <a:ext uri="{FF2B5EF4-FFF2-40B4-BE49-F238E27FC236}">
-                <a16:creationId xmlns:a16="http://schemas.microsoft.com/office/drawing/2014/main" id="{B9BFCEBF-5481-1137-6B93-476814663163}"/>
+                <a16:creationId xmlns:a16="http://schemas.microsoft.com/office/drawing/2014/main" id="{6186B1AA-132F-D694-C503-F9826162DBAB}"/>
               </a:ext>
             </a:extLst>
           </p:cNvPr>
@@ -696,7 +696,7 @@
           <p:cNvPr id="6" name="灯片编号占位符 5">
             <a:extLst>
               <a:ext uri="{FF2B5EF4-FFF2-40B4-BE49-F238E27FC236}">
-                <a16:creationId xmlns:a16="http://schemas.microsoft.com/office/drawing/2014/main" id="{3B086FE4-F07F-BA8F-EC26-0E5F15CCBB75}"/>
+                <a16:creationId xmlns:a16="http://schemas.microsoft.com/office/drawing/2014/main" id="{32099546-6E26-2D7E-096D-DB13B8901538}"/>
               </a:ext>
             </a:extLst>
           </p:cNvPr>
@@ -712,7 +712,7 @@
           <a:bodyPr/>
           <a:lstStyle/>
           <a:p>
-            <a:fld id="{F60FE5F5-34C6-4A45-820E-B1323A91B391}" type="slidenum">
+            <a:fld id="{B95739DD-2CEB-46DF-BD73-F173C35F0E05}" type="slidenum">
               <a:rPr lang="zh-CN" altLang="en-US" smtClean="0"/>
               <a:t>‹#›</a:t>
             </a:fld>
@@ -723,7 +723,7 @@
     </p:spTree>
     <p:extLst>
       <p:ext uri="{BB962C8B-B14F-4D97-AF65-F5344CB8AC3E}">
-        <p14:creationId xmlns:p14="http://schemas.microsoft.com/office/powerpoint/2010/main" val="3452476259"/>
+        <p14:creationId xmlns:p14="http://schemas.microsoft.com/office/powerpoint/2010/main" val="1877572718"/>
       </p:ext>
     </p:extLst>
   </p:cSld>
@@ -755,7 +755,7 @@
           <p:cNvPr id="2" name="标题 1">
             <a:extLst>
               <a:ext uri="{FF2B5EF4-FFF2-40B4-BE49-F238E27FC236}">
-                <a16:creationId xmlns:a16="http://schemas.microsoft.com/office/drawing/2014/main" id="{28926772-9B88-CC0A-EBE4-DB57DCA528B6}"/>
+                <a16:creationId xmlns:a16="http://schemas.microsoft.com/office/drawing/2014/main" id="{E589AD3E-4967-43A5-0753-9670171E19E1}"/>
               </a:ext>
             </a:extLst>
           </p:cNvPr>
@@ -783,7 +783,7 @@
           <p:cNvPr id="3" name="内容占位符 2">
             <a:extLst>
               <a:ext uri="{FF2B5EF4-FFF2-40B4-BE49-F238E27FC236}">
-                <a16:creationId xmlns:a16="http://schemas.microsoft.com/office/drawing/2014/main" id="{88689027-460E-6EFA-6F6B-3A09CD9FA98D}"/>
+                <a16:creationId xmlns:a16="http://schemas.microsoft.com/office/drawing/2014/main" id="{7F948C6B-B1F4-8230-49AB-4D977E584DDB}"/>
               </a:ext>
             </a:extLst>
           </p:cNvPr>
@@ -840,7 +840,7 @@
           <p:cNvPr id="4" name="日期占位符 3">
             <a:extLst>
               <a:ext uri="{FF2B5EF4-FFF2-40B4-BE49-F238E27FC236}">
-                <a16:creationId xmlns:a16="http://schemas.microsoft.com/office/drawing/2014/main" id="{3B6EB4C6-3F98-FD39-468F-DA14A80D9FED}"/>
+                <a16:creationId xmlns:a16="http://schemas.microsoft.com/office/drawing/2014/main" id="{141F31BA-F6CF-2C52-5CFB-A570B17D53C1}"/>
               </a:ext>
             </a:extLst>
           </p:cNvPr>
@@ -856,7 +856,7 @@
           <a:bodyPr/>
           <a:lstStyle/>
           <a:p>
-            <a:fld id="{264DD263-0915-4BA5-B3B5-90FA4F5FDA3E}" type="datetimeFigureOut">
+            <a:fld id="{7F7FE9D2-5647-4463-AB7D-7D482545BFD3}" type="datetimeFigureOut">
               <a:rPr lang="zh-CN" altLang="en-US" smtClean="0"/>
               <a:t>2024/3/10</a:t>
             </a:fld>
@@ -869,7 +869,7 @@
           <p:cNvPr id="5" name="页脚占位符 4">
             <a:extLst>
               <a:ext uri="{FF2B5EF4-FFF2-40B4-BE49-F238E27FC236}">
-                <a16:creationId xmlns:a16="http://schemas.microsoft.com/office/drawing/2014/main" id="{DDA59ED1-D888-DE7D-19E3-8937654DDB8E}"/>
+                <a16:creationId xmlns:a16="http://schemas.microsoft.com/office/drawing/2014/main" id="{31BE5DDB-30E6-858E-FCF6-506B4D8B0764}"/>
               </a:ext>
             </a:extLst>
           </p:cNvPr>
@@ -894,7 +894,7 @@
           <p:cNvPr id="6" name="灯片编号占位符 5">
             <a:extLst>
               <a:ext uri="{FF2B5EF4-FFF2-40B4-BE49-F238E27FC236}">
-                <a16:creationId xmlns:a16="http://schemas.microsoft.com/office/drawing/2014/main" id="{01F70EE5-A663-BEFD-C208-AC5658C587FB}"/>
+                <a16:creationId xmlns:a16="http://schemas.microsoft.com/office/drawing/2014/main" id="{329D2A5B-92CC-4E82-34DF-252F39A6311A}"/>
               </a:ext>
             </a:extLst>
           </p:cNvPr>
@@ -910,7 +910,7 @@
           <a:bodyPr/>
           <a:lstStyle/>
           <a:p>
-            <a:fld id="{F60FE5F5-34C6-4A45-820E-B1323A91B391}" type="slidenum">
+            <a:fld id="{B95739DD-2CEB-46DF-BD73-F173C35F0E05}" type="slidenum">
               <a:rPr lang="zh-CN" altLang="en-US" smtClean="0"/>
               <a:t>‹#›</a:t>
             </a:fld>
@@ -921,7 +921,7 @@
     </p:spTree>
     <p:extLst>
       <p:ext uri="{BB962C8B-B14F-4D97-AF65-F5344CB8AC3E}">
-        <p14:creationId xmlns:p14="http://schemas.microsoft.com/office/powerpoint/2010/main" val="1544653579"/>
+        <p14:creationId xmlns:p14="http://schemas.microsoft.com/office/powerpoint/2010/main" val="3997585327"/>
       </p:ext>
     </p:extLst>
   </p:cSld>
@@ -953,7 +953,7 @@
           <p:cNvPr id="2" name="标题 1">
             <a:extLst>
               <a:ext uri="{FF2B5EF4-FFF2-40B4-BE49-F238E27FC236}">
-                <a16:creationId xmlns:a16="http://schemas.microsoft.com/office/drawing/2014/main" id="{1B9BCF7A-E362-5132-C134-F8D5DC804BCF}"/>
+                <a16:creationId xmlns:a16="http://schemas.microsoft.com/office/drawing/2014/main" id="{1BA27EF3-8BB5-64AF-1988-278BC299539A}"/>
               </a:ext>
             </a:extLst>
           </p:cNvPr>
@@ -990,7 +990,7 @@
           <p:cNvPr id="3" name="文本占位符 2">
             <a:extLst>
               <a:ext uri="{FF2B5EF4-FFF2-40B4-BE49-F238E27FC236}">
-                <a16:creationId xmlns:a16="http://schemas.microsoft.com/office/drawing/2014/main" id="{1136CB81-C4CF-7181-74F2-1F1C74791427}"/>
+                <a16:creationId xmlns:a16="http://schemas.microsoft.com/office/drawing/2014/main" id="{2AAF9D7E-0DD5-F432-FC18-D592C33E2588}"/>
               </a:ext>
             </a:extLst>
           </p:cNvPr>
@@ -1115,7 +1115,7 @@
           <p:cNvPr id="4" name="日期占位符 3">
             <a:extLst>
               <a:ext uri="{FF2B5EF4-FFF2-40B4-BE49-F238E27FC236}">
-                <a16:creationId xmlns:a16="http://schemas.microsoft.com/office/drawing/2014/main" id="{D187F1F5-510B-768C-BF74-03D43E2CAC58}"/>
+                <a16:creationId xmlns:a16="http://schemas.microsoft.com/office/drawing/2014/main" id="{E9036E65-7207-4E6C-9980-0944EBC4FA37}"/>
               </a:ext>
             </a:extLst>
           </p:cNvPr>
@@ -1131,7 +1131,7 @@
           <a:bodyPr/>
           <a:lstStyle/>
           <a:p>
-            <a:fld id="{264DD263-0915-4BA5-B3B5-90FA4F5FDA3E}" type="datetimeFigureOut">
+            <a:fld id="{7F7FE9D2-5647-4463-AB7D-7D482545BFD3}" type="datetimeFigureOut">
               <a:rPr lang="zh-CN" altLang="en-US" smtClean="0"/>
               <a:t>2024/3/10</a:t>
             </a:fld>
@@ -1144,7 +1144,7 @@
           <p:cNvPr id="5" name="页脚占位符 4">
             <a:extLst>
               <a:ext uri="{FF2B5EF4-FFF2-40B4-BE49-F238E27FC236}">
-                <a16:creationId xmlns:a16="http://schemas.microsoft.com/office/drawing/2014/main" id="{C73B5A65-93F1-DEA2-B2F0-CD71CAA14B83}"/>
+                <a16:creationId xmlns:a16="http://schemas.microsoft.com/office/drawing/2014/main" id="{5152D039-DFA5-7846-41ED-1BAF0D83620B}"/>
               </a:ext>
             </a:extLst>
           </p:cNvPr>
@@ -1169,7 +1169,7 @@
           <p:cNvPr id="6" name="灯片编号占位符 5">
             <a:extLst>
               <a:ext uri="{FF2B5EF4-FFF2-40B4-BE49-F238E27FC236}">
-                <a16:creationId xmlns:a16="http://schemas.microsoft.com/office/drawing/2014/main" id="{07E04985-A8D9-B833-F930-041FCD7DFE33}"/>
+                <a16:creationId xmlns:a16="http://schemas.microsoft.com/office/drawing/2014/main" id="{D476F84F-DBD3-2596-40B9-F8FF38E7EF00}"/>
               </a:ext>
             </a:extLst>
           </p:cNvPr>
@@ -1185,7 +1185,7 @@
           <a:bodyPr/>
           <a:lstStyle/>
           <a:p>
-            <a:fld id="{F60FE5F5-34C6-4A45-820E-B1323A91B391}" type="slidenum">
+            <a:fld id="{B95739DD-2CEB-46DF-BD73-F173C35F0E05}" type="slidenum">
               <a:rPr lang="zh-CN" altLang="en-US" smtClean="0"/>
               <a:t>‹#›</a:t>
             </a:fld>
@@ -1196,7 +1196,7 @@
     </p:spTree>
     <p:extLst>
       <p:ext uri="{BB962C8B-B14F-4D97-AF65-F5344CB8AC3E}">
-        <p14:creationId xmlns:p14="http://schemas.microsoft.com/office/powerpoint/2010/main" val="679072311"/>
+        <p14:creationId xmlns:p14="http://schemas.microsoft.com/office/powerpoint/2010/main" val="4101578035"/>
       </p:ext>
     </p:extLst>
   </p:cSld>
@@ -1228,7 +1228,7 @@
           <p:cNvPr id="2" name="标题 1">
             <a:extLst>
               <a:ext uri="{FF2B5EF4-FFF2-40B4-BE49-F238E27FC236}">
-                <a16:creationId xmlns:a16="http://schemas.microsoft.com/office/drawing/2014/main" id="{5C5821A7-D56C-3652-DE67-ABB27699B576}"/>
+                <a16:creationId xmlns:a16="http://schemas.microsoft.com/office/drawing/2014/main" id="{1B0131F3-0093-3686-39BD-330BD1B04460}"/>
               </a:ext>
             </a:extLst>
           </p:cNvPr>
@@ -1256,7 +1256,7 @@
           <p:cNvPr id="3" name="内容占位符 2">
             <a:extLst>
               <a:ext uri="{FF2B5EF4-FFF2-40B4-BE49-F238E27FC236}">
-                <a16:creationId xmlns:a16="http://schemas.microsoft.com/office/drawing/2014/main" id="{15310F75-8798-4F25-4647-F6153DC67E2F}"/>
+                <a16:creationId xmlns:a16="http://schemas.microsoft.com/office/drawing/2014/main" id="{83557737-3119-6BCA-BFA4-0D9F0DACC897}"/>
               </a:ext>
             </a:extLst>
           </p:cNvPr>
@@ -1318,7 +1318,7 @@
           <p:cNvPr id="4" name="内容占位符 3">
             <a:extLst>
               <a:ext uri="{FF2B5EF4-FFF2-40B4-BE49-F238E27FC236}">
-                <a16:creationId xmlns:a16="http://schemas.microsoft.com/office/drawing/2014/main" id="{6711C0B4-2613-953F-B7AF-551616DD8EC8}"/>
+                <a16:creationId xmlns:a16="http://schemas.microsoft.com/office/drawing/2014/main" id="{2408455D-946A-0D61-A7D9-F8F573F2274F}"/>
               </a:ext>
             </a:extLst>
           </p:cNvPr>
@@ -1380,7 +1380,7 @@
           <p:cNvPr id="5" name="日期占位符 4">
             <a:extLst>
               <a:ext uri="{FF2B5EF4-FFF2-40B4-BE49-F238E27FC236}">
-                <a16:creationId xmlns:a16="http://schemas.microsoft.com/office/drawing/2014/main" id="{C9F57EBB-E6B6-1715-87CF-F51C0220456D}"/>
+                <a16:creationId xmlns:a16="http://schemas.microsoft.com/office/drawing/2014/main" id="{55C5B278-1A7E-1CB0-ED80-1FB8D09CC18B}"/>
               </a:ext>
             </a:extLst>
           </p:cNvPr>
@@ -1396,7 +1396,7 @@
           <a:bodyPr/>
           <a:lstStyle/>
           <a:p>
-            <a:fld id="{264DD263-0915-4BA5-B3B5-90FA4F5FDA3E}" type="datetimeFigureOut">
+            <a:fld id="{7F7FE9D2-5647-4463-AB7D-7D482545BFD3}" type="datetimeFigureOut">
               <a:rPr lang="zh-CN" altLang="en-US" smtClean="0"/>
               <a:t>2024/3/10</a:t>
             </a:fld>
@@ -1409,7 +1409,7 @@
           <p:cNvPr id="6" name="页脚占位符 5">
             <a:extLst>
               <a:ext uri="{FF2B5EF4-FFF2-40B4-BE49-F238E27FC236}">
-                <a16:creationId xmlns:a16="http://schemas.microsoft.com/office/drawing/2014/main" id="{A5046232-0176-F97E-D0CB-7DB37E1A3429}"/>
+                <a16:creationId xmlns:a16="http://schemas.microsoft.com/office/drawing/2014/main" id="{7349A09C-40B9-E64C-7A51-297CBF7A5E7E}"/>
               </a:ext>
             </a:extLst>
           </p:cNvPr>
@@ -1434,7 +1434,7 @@
           <p:cNvPr id="7" name="灯片编号占位符 6">
             <a:extLst>
               <a:ext uri="{FF2B5EF4-FFF2-40B4-BE49-F238E27FC236}">
-                <a16:creationId xmlns:a16="http://schemas.microsoft.com/office/drawing/2014/main" id="{411186B2-7CEF-1BA5-4F9D-02E9913FB63E}"/>
+                <a16:creationId xmlns:a16="http://schemas.microsoft.com/office/drawing/2014/main" id="{0860CB1D-2177-A3C3-45C9-4A5268948CBE}"/>
               </a:ext>
             </a:extLst>
           </p:cNvPr>
@@ -1450,7 +1450,7 @@
           <a:bodyPr/>
           <a:lstStyle/>
           <a:p>
-            <a:fld id="{F60FE5F5-34C6-4A45-820E-B1323A91B391}" type="slidenum">
+            <a:fld id="{B95739DD-2CEB-46DF-BD73-F173C35F0E05}" type="slidenum">
               <a:rPr lang="zh-CN" altLang="en-US" smtClean="0"/>
               <a:t>‹#›</a:t>
             </a:fld>
@@ -1461,7 +1461,7 @@
     </p:spTree>
     <p:extLst>
       <p:ext uri="{BB962C8B-B14F-4D97-AF65-F5344CB8AC3E}">
-        <p14:creationId xmlns:p14="http://schemas.microsoft.com/office/powerpoint/2010/main" val="1090157920"/>
+        <p14:creationId xmlns:p14="http://schemas.microsoft.com/office/powerpoint/2010/main" val="72950131"/>
       </p:ext>
     </p:extLst>
   </p:cSld>
@@ -1493,7 +1493,7 @@
           <p:cNvPr id="2" name="标题 1">
             <a:extLst>
               <a:ext uri="{FF2B5EF4-FFF2-40B4-BE49-F238E27FC236}">
-                <a16:creationId xmlns:a16="http://schemas.microsoft.com/office/drawing/2014/main" id="{9A3DACBD-0BFA-8652-319E-7DF65286DB40}"/>
+                <a16:creationId xmlns:a16="http://schemas.microsoft.com/office/drawing/2014/main" id="{2D4ECA15-ACDF-D059-E4B9-5792EE4D9B39}"/>
               </a:ext>
             </a:extLst>
           </p:cNvPr>
@@ -1526,7 +1526,7 @@
           <p:cNvPr id="3" name="文本占位符 2">
             <a:extLst>
               <a:ext uri="{FF2B5EF4-FFF2-40B4-BE49-F238E27FC236}">
-                <a16:creationId xmlns:a16="http://schemas.microsoft.com/office/drawing/2014/main" id="{979F445E-0E31-3700-9ACD-177EB589CDF0}"/>
+                <a16:creationId xmlns:a16="http://schemas.microsoft.com/office/drawing/2014/main" id="{58E67717-0B09-6AFA-C99E-08792AF4250F}"/>
               </a:ext>
             </a:extLst>
           </p:cNvPr>
@@ -1597,7 +1597,7 @@
           <p:cNvPr id="4" name="内容占位符 3">
             <a:extLst>
               <a:ext uri="{FF2B5EF4-FFF2-40B4-BE49-F238E27FC236}">
-                <a16:creationId xmlns:a16="http://schemas.microsoft.com/office/drawing/2014/main" id="{E9BB802D-B713-5C3B-8C47-691C993B19A0}"/>
+                <a16:creationId xmlns:a16="http://schemas.microsoft.com/office/drawing/2014/main" id="{021344BB-AC31-C656-0F93-CAA57E2465F4}"/>
               </a:ext>
             </a:extLst>
           </p:cNvPr>
@@ -1659,7 +1659,7 @@
           <p:cNvPr id="5" name="文本占位符 4">
             <a:extLst>
               <a:ext uri="{FF2B5EF4-FFF2-40B4-BE49-F238E27FC236}">
-                <a16:creationId xmlns:a16="http://schemas.microsoft.com/office/drawing/2014/main" id="{2FDBBBAB-5648-EB94-8BD4-9C76CC03A4FA}"/>
+                <a16:creationId xmlns:a16="http://schemas.microsoft.com/office/drawing/2014/main" id="{2CA754B2-8BA9-3D73-8CB8-A61D1A1FE299}"/>
               </a:ext>
             </a:extLst>
           </p:cNvPr>
@@ -1730,7 +1730,7 @@
           <p:cNvPr id="6" name="内容占位符 5">
             <a:extLst>
               <a:ext uri="{FF2B5EF4-FFF2-40B4-BE49-F238E27FC236}">
-                <a16:creationId xmlns:a16="http://schemas.microsoft.com/office/drawing/2014/main" id="{37534CAB-6426-172A-455A-F4EEEE87A857}"/>
+                <a16:creationId xmlns:a16="http://schemas.microsoft.com/office/drawing/2014/main" id="{729B814A-8569-6BC8-F89A-DB332E12146A}"/>
               </a:ext>
             </a:extLst>
           </p:cNvPr>
@@ -1792,7 +1792,7 @@
           <p:cNvPr id="7" name="日期占位符 6">
             <a:extLst>
               <a:ext uri="{FF2B5EF4-FFF2-40B4-BE49-F238E27FC236}">
-                <a16:creationId xmlns:a16="http://schemas.microsoft.com/office/drawing/2014/main" id="{E41882AF-0A6B-9E91-B5FD-AC4C3A27FE30}"/>
+                <a16:creationId xmlns:a16="http://schemas.microsoft.com/office/drawing/2014/main" id="{EAB9F203-D148-D538-0025-535FCDE65278}"/>
               </a:ext>
             </a:extLst>
           </p:cNvPr>
@@ -1808,7 +1808,7 @@
           <a:bodyPr/>
           <a:lstStyle/>
           <a:p>
-            <a:fld id="{264DD263-0915-4BA5-B3B5-90FA4F5FDA3E}" type="datetimeFigureOut">
+            <a:fld id="{7F7FE9D2-5647-4463-AB7D-7D482545BFD3}" type="datetimeFigureOut">
               <a:rPr lang="zh-CN" altLang="en-US" smtClean="0"/>
               <a:t>2024/3/10</a:t>
             </a:fld>
@@ -1821,7 +1821,7 @@
           <p:cNvPr id="8" name="页脚占位符 7">
             <a:extLst>
               <a:ext uri="{FF2B5EF4-FFF2-40B4-BE49-F238E27FC236}">
-                <a16:creationId xmlns:a16="http://schemas.microsoft.com/office/drawing/2014/main" id="{5443FE2E-C773-F142-3902-9F511A2A5C6E}"/>
+                <a16:creationId xmlns:a16="http://schemas.microsoft.com/office/drawing/2014/main" id="{50323941-DA17-7406-5F6F-3CA027E3A556}"/>
               </a:ext>
             </a:extLst>
           </p:cNvPr>
@@ -1846,7 +1846,7 @@
           <p:cNvPr id="9" name="灯片编号占位符 8">
             <a:extLst>
               <a:ext uri="{FF2B5EF4-FFF2-40B4-BE49-F238E27FC236}">
-                <a16:creationId xmlns:a16="http://schemas.microsoft.com/office/drawing/2014/main" id="{7F10ACB4-E312-3ED9-F7AA-A7B6389C6B6B}"/>
+                <a16:creationId xmlns:a16="http://schemas.microsoft.com/office/drawing/2014/main" id="{9A58183A-D451-9614-4B7B-9A4FDEC322FA}"/>
               </a:ext>
             </a:extLst>
           </p:cNvPr>
@@ -1862,7 +1862,7 @@
           <a:bodyPr/>
           <a:lstStyle/>
           <a:p>
-            <a:fld id="{F60FE5F5-34C6-4A45-820E-B1323A91B391}" type="slidenum">
+            <a:fld id="{B95739DD-2CEB-46DF-BD73-F173C35F0E05}" type="slidenum">
               <a:rPr lang="zh-CN" altLang="en-US" smtClean="0"/>
               <a:t>‹#›</a:t>
             </a:fld>
@@ -1873,7 +1873,7 @@
     </p:spTree>
     <p:extLst>
       <p:ext uri="{BB962C8B-B14F-4D97-AF65-F5344CB8AC3E}">
-        <p14:creationId xmlns:p14="http://schemas.microsoft.com/office/powerpoint/2010/main" val="3670623363"/>
+        <p14:creationId xmlns:p14="http://schemas.microsoft.com/office/powerpoint/2010/main" val="4278018455"/>
       </p:ext>
     </p:extLst>
   </p:cSld>
@@ -1905,7 +1905,7 @@
           <p:cNvPr id="2" name="标题 1">
             <a:extLst>
               <a:ext uri="{FF2B5EF4-FFF2-40B4-BE49-F238E27FC236}">
-                <a16:creationId xmlns:a16="http://schemas.microsoft.com/office/drawing/2014/main" id="{5A107CC2-42CE-3FE1-C29F-10FDC6DA5E2E}"/>
+                <a16:creationId xmlns:a16="http://schemas.microsoft.com/office/drawing/2014/main" id="{E54002B8-C5BF-F74C-1AFE-73DB43DD9317}"/>
               </a:ext>
             </a:extLst>
           </p:cNvPr>
@@ -1933,7 +1933,7 @@
           <p:cNvPr id="3" name="日期占位符 2">
             <a:extLst>
               <a:ext uri="{FF2B5EF4-FFF2-40B4-BE49-F238E27FC236}">
-                <a16:creationId xmlns:a16="http://schemas.microsoft.com/office/drawing/2014/main" id="{05AE59EE-0D70-4CA9-CFD9-84C89B171971}"/>
+                <a16:creationId xmlns:a16="http://schemas.microsoft.com/office/drawing/2014/main" id="{2639A22A-F216-D92B-CD18-6DF8E0D0E4E7}"/>
               </a:ext>
             </a:extLst>
           </p:cNvPr>
@@ -1949,7 +1949,7 @@
           <a:bodyPr/>
           <a:lstStyle/>
           <a:p>
-            <a:fld id="{264DD263-0915-4BA5-B3B5-90FA4F5FDA3E}" type="datetimeFigureOut">
+            <a:fld id="{7F7FE9D2-5647-4463-AB7D-7D482545BFD3}" type="datetimeFigureOut">
               <a:rPr lang="zh-CN" altLang="en-US" smtClean="0"/>
               <a:t>2024/3/10</a:t>
             </a:fld>
@@ -1962,7 +1962,7 @@
           <p:cNvPr id="4" name="页脚占位符 3">
             <a:extLst>
               <a:ext uri="{FF2B5EF4-FFF2-40B4-BE49-F238E27FC236}">
-                <a16:creationId xmlns:a16="http://schemas.microsoft.com/office/drawing/2014/main" id="{3195201E-DFE9-BDAD-0AD5-AB2AFA276E25}"/>
+                <a16:creationId xmlns:a16="http://schemas.microsoft.com/office/drawing/2014/main" id="{5A9FCE19-875F-BA40-DF49-84CA2EE33FCF}"/>
               </a:ext>
             </a:extLst>
           </p:cNvPr>
@@ -1987,7 +1987,7 @@
           <p:cNvPr id="5" name="灯片编号占位符 4">
             <a:extLst>
               <a:ext uri="{FF2B5EF4-FFF2-40B4-BE49-F238E27FC236}">
-                <a16:creationId xmlns:a16="http://schemas.microsoft.com/office/drawing/2014/main" id="{C4FA025A-AFF8-5358-6873-DC3B92865BD3}"/>
+                <a16:creationId xmlns:a16="http://schemas.microsoft.com/office/drawing/2014/main" id="{16D6133D-9AA9-08D9-ADA7-85522FB1C713}"/>
               </a:ext>
             </a:extLst>
           </p:cNvPr>
@@ -2003,7 +2003,7 @@
           <a:bodyPr/>
           <a:lstStyle/>
           <a:p>
-            <a:fld id="{F60FE5F5-34C6-4A45-820E-B1323A91B391}" type="slidenum">
+            <a:fld id="{B95739DD-2CEB-46DF-BD73-F173C35F0E05}" type="slidenum">
               <a:rPr lang="zh-CN" altLang="en-US" smtClean="0"/>
               <a:t>‹#›</a:t>
             </a:fld>
@@ -2014,7 +2014,7 @@
     </p:spTree>
     <p:extLst>
       <p:ext uri="{BB962C8B-B14F-4D97-AF65-F5344CB8AC3E}">
-        <p14:creationId xmlns:p14="http://schemas.microsoft.com/office/powerpoint/2010/main" val="4287408074"/>
+        <p14:creationId xmlns:p14="http://schemas.microsoft.com/office/powerpoint/2010/main" val="3625951014"/>
       </p:ext>
     </p:extLst>
   </p:cSld>
@@ -2046,7 +2046,7 @@
           <p:cNvPr id="2" name="日期占位符 1">
             <a:extLst>
               <a:ext uri="{FF2B5EF4-FFF2-40B4-BE49-F238E27FC236}">
-                <a16:creationId xmlns:a16="http://schemas.microsoft.com/office/drawing/2014/main" id="{9ED0E203-4471-6660-3AC8-1F718C606B51}"/>
+                <a16:creationId xmlns:a16="http://schemas.microsoft.com/office/drawing/2014/main" id="{E38CF74F-751A-5633-069C-1BAFF6CA233A}"/>
               </a:ext>
             </a:extLst>
           </p:cNvPr>
@@ -2062,7 +2062,7 @@
           <a:bodyPr/>
           <a:lstStyle/>
           <a:p>
-            <a:fld id="{264DD263-0915-4BA5-B3B5-90FA4F5FDA3E}" type="datetimeFigureOut">
+            <a:fld id="{7F7FE9D2-5647-4463-AB7D-7D482545BFD3}" type="datetimeFigureOut">
               <a:rPr lang="zh-CN" altLang="en-US" smtClean="0"/>
               <a:t>2024/3/10</a:t>
             </a:fld>
@@ -2075,7 +2075,7 @@
           <p:cNvPr id="3" name="页脚占位符 2">
             <a:extLst>
               <a:ext uri="{FF2B5EF4-FFF2-40B4-BE49-F238E27FC236}">
-                <a16:creationId xmlns:a16="http://schemas.microsoft.com/office/drawing/2014/main" id="{9A9C9726-EF96-96E9-EFC7-94E8EFFE44E6}"/>
+                <a16:creationId xmlns:a16="http://schemas.microsoft.com/office/drawing/2014/main" id="{24CFF177-E60C-4AD3-0E2B-534FBB03069F}"/>
               </a:ext>
             </a:extLst>
           </p:cNvPr>
@@ -2100,7 +2100,7 @@
           <p:cNvPr id="4" name="灯片编号占位符 3">
             <a:extLst>
               <a:ext uri="{FF2B5EF4-FFF2-40B4-BE49-F238E27FC236}">
-                <a16:creationId xmlns:a16="http://schemas.microsoft.com/office/drawing/2014/main" id="{DD7F9952-3879-4E4F-0416-6912F356BC30}"/>
+                <a16:creationId xmlns:a16="http://schemas.microsoft.com/office/drawing/2014/main" id="{C8EDBF3F-3D06-3A25-48B1-C0D8DCA00345}"/>
               </a:ext>
             </a:extLst>
           </p:cNvPr>
@@ -2116,7 +2116,7 @@
           <a:bodyPr/>
           <a:lstStyle/>
           <a:p>
-            <a:fld id="{F60FE5F5-34C6-4A45-820E-B1323A91B391}" type="slidenum">
+            <a:fld id="{B95739DD-2CEB-46DF-BD73-F173C35F0E05}" type="slidenum">
               <a:rPr lang="zh-CN" altLang="en-US" smtClean="0"/>
               <a:t>‹#›</a:t>
             </a:fld>
@@ -2127,7 +2127,7 @@
     </p:spTree>
     <p:extLst>
       <p:ext uri="{BB962C8B-B14F-4D97-AF65-F5344CB8AC3E}">
-        <p14:creationId xmlns:p14="http://schemas.microsoft.com/office/powerpoint/2010/main" val="4190257129"/>
+        <p14:creationId xmlns:p14="http://schemas.microsoft.com/office/powerpoint/2010/main" val="2883858988"/>
       </p:ext>
     </p:extLst>
   </p:cSld>
@@ -2159,7 +2159,7 @@
           <p:cNvPr id="2" name="标题 1">
             <a:extLst>
               <a:ext uri="{FF2B5EF4-FFF2-40B4-BE49-F238E27FC236}">
-                <a16:creationId xmlns:a16="http://schemas.microsoft.com/office/drawing/2014/main" id="{62218308-5BF7-EF61-4637-9CB29B959BE1}"/>
+                <a16:creationId xmlns:a16="http://schemas.microsoft.com/office/drawing/2014/main" id="{50FF3CC3-C5F7-BABA-AD74-3F0BD2E47060}"/>
               </a:ext>
             </a:extLst>
           </p:cNvPr>
@@ -2196,7 +2196,7 @@
           <p:cNvPr id="3" name="内容占位符 2">
             <a:extLst>
               <a:ext uri="{FF2B5EF4-FFF2-40B4-BE49-F238E27FC236}">
-                <a16:creationId xmlns:a16="http://schemas.microsoft.com/office/drawing/2014/main" id="{35547197-71F4-466F-69CF-83E5E566B2B8}"/>
+                <a16:creationId xmlns:a16="http://schemas.microsoft.com/office/drawing/2014/main" id="{BC8D9B92-3638-5B27-4A21-D4218ADDB4A2}"/>
               </a:ext>
             </a:extLst>
           </p:cNvPr>
@@ -2286,7 +2286,7 @@
           <p:cNvPr id="4" name="文本占位符 3">
             <a:extLst>
               <a:ext uri="{FF2B5EF4-FFF2-40B4-BE49-F238E27FC236}">
-                <a16:creationId xmlns:a16="http://schemas.microsoft.com/office/drawing/2014/main" id="{4CCFF679-00D2-1DC8-7A21-AB22D76CA6C4}"/>
+                <a16:creationId xmlns:a16="http://schemas.microsoft.com/office/drawing/2014/main" id="{3A443989-7C3B-CBA8-2F07-CAB0A3CCE2B2}"/>
               </a:ext>
             </a:extLst>
           </p:cNvPr>
@@ -2357,7 +2357,7 @@
           <p:cNvPr id="5" name="日期占位符 4">
             <a:extLst>
               <a:ext uri="{FF2B5EF4-FFF2-40B4-BE49-F238E27FC236}">
-                <a16:creationId xmlns:a16="http://schemas.microsoft.com/office/drawing/2014/main" id="{2A62CEAA-2A2F-06B6-B60B-0FCF7188E132}"/>
+                <a16:creationId xmlns:a16="http://schemas.microsoft.com/office/drawing/2014/main" id="{12655294-11D9-56E3-5C4D-767F8CD3FBBA}"/>
               </a:ext>
             </a:extLst>
           </p:cNvPr>
@@ -2373,7 +2373,7 @@
           <a:bodyPr/>
           <a:lstStyle/>
           <a:p>
-            <a:fld id="{264DD263-0915-4BA5-B3B5-90FA4F5FDA3E}" type="datetimeFigureOut">
+            <a:fld id="{7F7FE9D2-5647-4463-AB7D-7D482545BFD3}" type="datetimeFigureOut">
               <a:rPr lang="zh-CN" altLang="en-US" smtClean="0"/>
               <a:t>2024/3/10</a:t>
             </a:fld>
@@ -2386,7 +2386,7 @@
           <p:cNvPr id="6" name="页脚占位符 5">
             <a:extLst>
               <a:ext uri="{FF2B5EF4-FFF2-40B4-BE49-F238E27FC236}">
-                <a16:creationId xmlns:a16="http://schemas.microsoft.com/office/drawing/2014/main" id="{7CA7C965-B3FF-47E4-52A4-E3A3404D516B}"/>
+                <a16:creationId xmlns:a16="http://schemas.microsoft.com/office/drawing/2014/main" id="{B8A695F1-1272-4A5E-F452-33AB0DAD337E}"/>
               </a:ext>
             </a:extLst>
           </p:cNvPr>
@@ -2411,7 +2411,7 @@
           <p:cNvPr id="7" name="灯片编号占位符 6">
             <a:extLst>
               <a:ext uri="{FF2B5EF4-FFF2-40B4-BE49-F238E27FC236}">
-                <a16:creationId xmlns:a16="http://schemas.microsoft.com/office/drawing/2014/main" id="{E004A905-F3DB-EB31-CB11-E03FB9ABD39E}"/>
+                <a16:creationId xmlns:a16="http://schemas.microsoft.com/office/drawing/2014/main" id="{E3666C76-C3F0-DA11-C1CF-F468470CF717}"/>
               </a:ext>
             </a:extLst>
           </p:cNvPr>
@@ -2427,7 +2427,7 @@
           <a:bodyPr/>
           <a:lstStyle/>
           <a:p>
-            <a:fld id="{F60FE5F5-34C6-4A45-820E-B1323A91B391}" type="slidenum">
+            <a:fld id="{B95739DD-2CEB-46DF-BD73-F173C35F0E05}" type="slidenum">
               <a:rPr lang="zh-CN" altLang="en-US" smtClean="0"/>
               <a:t>‹#›</a:t>
             </a:fld>
@@ -2438,7 +2438,7 @@
     </p:spTree>
     <p:extLst>
       <p:ext uri="{BB962C8B-B14F-4D97-AF65-F5344CB8AC3E}">
-        <p14:creationId xmlns:p14="http://schemas.microsoft.com/office/powerpoint/2010/main" val="122493594"/>
+        <p14:creationId xmlns:p14="http://schemas.microsoft.com/office/powerpoint/2010/main" val="1626748271"/>
       </p:ext>
     </p:extLst>
   </p:cSld>
@@ -2470,7 +2470,7 @@
           <p:cNvPr id="2" name="标题 1">
             <a:extLst>
               <a:ext uri="{FF2B5EF4-FFF2-40B4-BE49-F238E27FC236}">
-                <a16:creationId xmlns:a16="http://schemas.microsoft.com/office/drawing/2014/main" id="{4EE9B658-87B1-A57D-1893-315AC4BE3DEA}"/>
+                <a16:creationId xmlns:a16="http://schemas.microsoft.com/office/drawing/2014/main" id="{6E1A5315-7E21-5A17-F45D-4CE6F9672359}"/>
               </a:ext>
             </a:extLst>
           </p:cNvPr>
@@ -2507,7 +2507,7 @@
           <p:cNvPr id="3" name="图片占位符 2">
             <a:extLst>
               <a:ext uri="{FF2B5EF4-FFF2-40B4-BE49-F238E27FC236}">
-                <a16:creationId xmlns:a16="http://schemas.microsoft.com/office/drawing/2014/main" id="{9B74CADF-C431-908F-9404-EB0C945D2699}"/>
+                <a16:creationId xmlns:a16="http://schemas.microsoft.com/office/drawing/2014/main" id="{C9EFD49E-EB99-A47C-F2B8-32098042973C}"/>
               </a:ext>
             </a:extLst>
           </p:cNvPr>
@@ -2574,7 +2574,7 @@
           <p:cNvPr id="4" name="文本占位符 3">
             <a:extLst>
               <a:ext uri="{FF2B5EF4-FFF2-40B4-BE49-F238E27FC236}">
-                <a16:creationId xmlns:a16="http://schemas.microsoft.com/office/drawing/2014/main" id="{A53656A7-A7BA-3642-06BC-3F0BAA8BA58E}"/>
+                <a16:creationId xmlns:a16="http://schemas.microsoft.com/office/drawing/2014/main" id="{B263F9BC-04EB-5AF3-C3F4-6863CE96EBE5}"/>
               </a:ext>
             </a:extLst>
           </p:cNvPr>
@@ -2645,7 +2645,7 @@
           <p:cNvPr id="5" name="日期占位符 4">
             <a:extLst>
               <a:ext uri="{FF2B5EF4-FFF2-40B4-BE49-F238E27FC236}">
-                <a16:creationId xmlns:a16="http://schemas.microsoft.com/office/drawing/2014/main" id="{4B61E4D8-A98E-AFA0-B492-14B7DA02F5D4}"/>
+                <a16:creationId xmlns:a16="http://schemas.microsoft.com/office/drawing/2014/main" id="{6C163BE7-A3E8-7E42-69EC-16E3215A3951}"/>
               </a:ext>
             </a:extLst>
           </p:cNvPr>
@@ -2661,7 +2661,7 @@
           <a:bodyPr/>
           <a:lstStyle/>
           <a:p>
-            <a:fld id="{264DD263-0915-4BA5-B3B5-90FA4F5FDA3E}" type="datetimeFigureOut">
+            <a:fld id="{7F7FE9D2-5647-4463-AB7D-7D482545BFD3}" type="datetimeFigureOut">
               <a:rPr lang="zh-CN" altLang="en-US" smtClean="0"/>
               <a:t>2024/3/10</a:t>
             </a:fld>
@@ -2674,7 +2674,7 @@
           <p:cNvPr id="6" name="页脚占位符 5">
             <a:extLst>
               <a:ext uri="{FF2B5EF4-FFF2-40B4-BE49-F238E27FC236}">
-                <a16:creationId xmlns:a16="http://schemas.microsoft.com/office/drawing/2014/main" id="{FFDF5700-48A4-57E1-D499-DF09148201B1}"/>
+                <a16:creationId xmlns:a16="http://schemas.microsoft.com/office/drawing/2014/main" id="{0CC0DA6B-092A-7A59-907B-2CB04CBE2CD3}"/>
               </a:ext>
             </a:extLst>
           </p:cNvPr>
@@ -2699,7 +2699,7 @@
           <p:cNvPr id="7" name="灯片编号占位符 6">
             <a:extLst>
               <a:ext uri="{FF2B5EF4-FFF2-40B4-BE49-F238E27FC236}">
-                <a16:creationId xmlns:a16="http://schemas.microsoft.com/office/drawing/2014/main" id="{9AE8FB00-23A7-9E86-6090-455815E3DB33}"/>
+                <a16:creationId xmlns:a16="http://schemas.microsoft.com/office/drawing/2014/main" id="{A4BDD7E0-BF66-F209-C235-0A4F0B7FCFFF}"/>
               </a:ext>
             </a:extLst>
           </p:cNvPr>
@@ -2715,7 +2715,7 @@
           <a:bodyPr/>
           <a:lstStyle/>
           <a:p>
-            <a:fld id="{F60FE5F5-34C6-4A45-820E-B1323A91B391}" type="slidenum">
+            <a:fld id="{B95739DD-2CEB-46DF-BD73-F173C35F0E05}" type="slidenum">
               <a:rPr lang="zh-CN" altLang="en-US" smtClean="0"/>
               <a:t>‹#›</a:t>
             </a:fld>
@@ -2726,7 +2726,7 @@
     </p:spTree>
     <p:extLst>
       <p:ext uri="{BB962C8B-B14F-4D97-AF65-F5344CB8AC3E}">
-        <p14:creationId xmlns:p14="http://schemas.microsoft.com/office/powerpoint/2010/main" val="926325741"/>
+        <p14:creationId xmlns:p14="http://schemas.microsoft.com/office/powerpoint/2010/main" val="3925879152"/>
       </p:ext>
     </p:extLst>
   </p:cSld>
@@ -2763,7 +2763,7 @@
           <p:cNvPr id="2" name="标题占位符 1">
             <a:extLst>
               <a:ext uri="{FF2B5EF4-FFF2-40B4-BE49-F238E27FC236}">
-                <a16:creationId xmlns:a16="http://schemas.microsoft.com/office/drawing/2014/main" id="{475FF0E9-A8AB-86D1-AF4F-CCD5334DF23D}"/>
+                <a16:creationId xmlns:a16="http://schemas.microsoft.com/office/drawing/2014/main" id="{88AC225A-223E-407F-0D4D-324FBF09080B}"/>
               </a:ext>
             </a:extLst>
           </p:cNvPr>
@@ -2801,7 +2801,7 @@
           <p:cNvPr id="3" name="文本占位符 2">
             <a:extLst>
               <a:ext uri="{FF2B5EF4-FFF2-40B4-BE49-F238E27FC236}">
-                <a16:creationId xmlns:a16="http://schemas.microsoft.com/office/drawing/2014/main" id="{DF7FF3DD-EDF7-F3F3-2D73-042D81F5FC6E}"/>
+                <a16:creationId xmlns:a16="http://schemas.microsoft.com/office/drawing/2014/main" id="{DA07FA7B-2304-1A71-E6FB-540700865440}"/>
               </a:ext>
             </a:extLst>
           </p:cNvPr>
@@ -2868,7 +2868,7 @@
           <p:cNvPr id="4" name="日期占位符 3">
             <a:extLst>
               <a:ext uri="{FF2B5EF4-FFF2-40B4-BE49-F238E27FC236}">
-                <a16:creationId xmlns:a16="http://schemas.microsoft.com/office/drawing/2014/main" id="{464992A1-6A54-BE4F-53D6-CA9FC7417A24}"/>
+                <a16:creationId xmlns:a16="http://schemas.microsoft.com/office/drawing/2014/main" id="{E43EC69E-4479-06DE-47CE-F554AE0DB04C}"/>
               </a:ext>
             </a:extLst>
           </p:cNvPr>
@@ -2902,7 +2902,7 @@
             </a:lvl1pPr>
           </a:lstStyle>
           <a:p>
-            <a:fld id="{264DD263-0915-4BA5-B3B5-90FA4F5FDA3E}" type="datetimeFigureOut">
+            <a:fld id="{7F7FE9D2-5647-4463-AB7D-7D482545BFD3}" type="datetimeFigureOut">
               <a:rPr lang="zh-CN" altLang="en-US" smtClean="0"/>
               <a:t>2024/3/10</a:t>
             </a:fld>
@@ -2915,7 +2915,7 @@
           <p:cNvPr id="5" name="页脚占位符 4">
             <a:extLst>
               <a:ext uri="{FF2B5EF4-FFF2-40B4-BE49-F238E27FC236}">
-                <a16:creationId xmlns:a16="http://schemas.microsoft.com/office/drawing/2014/main" id="{00874A75-7A2C-7C4B-1DA1-0F21FBFAA5CB}"/>
+                <a16:creationId xmlns:a16="http://schemas.microsoft.com/office/drawing/2014/main" id="{3EB3832C-F472-30DB-B0F0-2072EC90DFC2}"/>
               </a:ext>
             </a:extLst>
           </p:cNvPr>
@@ -2958,7 +2958,7 @@
           <p:cNvPr id="6" name="灯片编号占位符 5">
             <a:extLst>
               <a:ext uri="{FF2B5EF4-FFF2-40B4-BE49-F238E27FC236}">
-                <a16:creationId xmlns:a16="http://schemas.microsoft.com/office/drawing/2014/main" id="{6496B2D7-36C8-7BF0-2B27-4DD929D38568}"/>
+                <a16:creationId xmlns:a16="http://schemas.microsoft.com/office/drawing/2014/main" id="{018A03B3-3A9E-F5B8-3550-32F0ACFD32B5}"/>
               </a:ext>
             </a:extLst>
           </p:cNvPr>
@@ -2992,7 +2992,7 @@
             </a:lvl1pPr>
           </a:lstStyle>
           <a:p>
-            <a:fld id="{F60FE5F5-34C6-4A45-820E-B1323A91B391}" type="slidenum">
+            <a:fld id="{B95739DD-2CEB-46DF-BD73-F173C35F0E05}" type="slidenum">
               <a:rPr lang="zh-CN" altLang="en-US" smtClean="0"/>
               <a:t>‹#›</a:t>
             </a:fld>
@@ -3003,7 +3003,7 @@
     </p:spTree>
     <p:extLst>
       <p:ext uri="{BB962C8B-B14F-4D97-AF65-F5344CB8AC3E}">
-        <p14:creationId xmlns:p14="http://schemas.microsoft.com/office/powerpoint/2010/main" val="3087061843"/>
+        <p14:creationId xmlns:p14="http://schemas.microsoft.com/office/powerpoint/2010/main" val="725283713"/>
       </p:ext>
     </p:extLst>
   </p:cSld>
@@ -3323,7 +3323,7 @@
       </p:grpSpPr>
       <p:pic>
         <p:nvPicPr>
-          <p:cNvPr id="219138" name="Picture 2" descr="213"/>
+          <p:cNvPr id="220162" name="Picture 2" descr="214"/>
           <p:cNvPicPr>
             <a:picLocks noChangeAspect="1" noChangeArrowheads="1"/>
           </p:cNvPicPr>
@@ -3375,11 +3375,158 @@
           </a:extLst>
         </p:spPr>
       </p:pic>
+      <p:pic>
+        <p:nvPicPr>
+          <p:cNvPr id="221187" name="Picture 3" descr="214-2"/>
+          <p:cNvPicPr>
+            <a:picLocks noChangeAspect="1" noChangeArrowheads="1"/>
+          </p:cNvPicPr>
+          <p:nvPr/>
+        </p:nvPicPr>
+        <p:blipFill>
+          <a:blip r:embed="rId3">
+            <a:extLst>
+              <a:ext uri="{28A0092B-C50C-407E-A947-70E740481C1C}">
+                <a14:useLocalDpi xmlns:a14="http://schemas.microsoft.com/office/drawing/2010/main" val="0"/>
+              </a:ext>
+            </a:extLst>
+          </a:blip>
+          <a:srcRect/>
+          <a:stretch>
+            <a:fillRect/>
+          </a:stretch>
+        </p:blipFill>
+        <p:spPr bwMode="auto">
+          <a:xfrm>
+            <a:off x="1560513" y="44450"/>
+            <a:ext cx="9144000" cy="6858000"/>
+          </a:xfrm>
+          <a:prstGeom prst="rect">
+            <a:avLst/>
+          </a:prstGeom>
+          <a:noFill/>
+          <a:ln>
+            <a:noFill/>
+          </a:ln>
+          <a:effectLst/>
+          <a:extLst>
+            <a:ext uri="{909E8E84-426E-40DD-AFC4-6F175D3DCCD1}">
+              <a14:hiddenFill xmlns:a14="http://schemas.microsoft.com/office/drawing/2010/main">
+                <a:solidFill>
+                  <a:srgbClr val="FFFFFF"/>
+                </a:solidFill>
+              </a14:hiddenFill>
+            </a:ext>
+            <a:ext uri="{91240B29-F687-4F45-9708-019B960494DF}">
+              <a14:hiddenLine xmlns:a14="http://schemas.microsoft.com/office/drawing/2010/main" w="9525">
+                <a:solidFill>
+                  <a:srgbClr val="000000"/>
+                </a:solidFill>
+                <a:miter lim="800000"/>
+                <a:headEnd/>
+                <a:tailEnd/>
+              </a14:hiddenLine>
+            </a:ext>
+            <a:ext uri="{AF507438-7753-43E0-B8FC-AC1667EBCBE1}">
+              <a14:hiddenEffects xmlns:a14="http://schemas.microsoft.com/office/drawing/2010/main">
+                <a:effectLst>
+                  <a:outerShdw dist="35921" dir="2700000" algn="ctr" rotWithShape="0">
+                    <a:srgbClr val="808080"/>
+                  </a:outerShdw>
+                </a:effectLst>
+              </a14:hiddenEffects>
+            </a:ext>
+          </a:extLst>
+        </p:spPr>
+      </p:pic>
     </p:spTree>
   </p:cSld>
   <p:clrMapOvr>
     <a:masterClrMapping/>
   </p:clrMapOvr>
+  <p:timing>
+    <p:tnLst>
+      <p:par>
+        <p:cTn id="1" dur="indefinite" restart="never" nodeType="tmRoot">
+          <p:childTnLst>
+            <p:seq concurrent="1" nextAc="seek">
+              <p:cTn id="2" dur="indefinite" nodeType="mainSeq">
+                <p:childTnLst>
+                  <p:par>
+                    <p:cTn id="3" fill="hold" nodeType="clickPar">
+                      <p:stCondLst>
+                        <p:cond delay="indefinite"/>
+                      </p:stCondLst>
+                      <p:childTnLst>
+                        <p:par>
+                          <p:cTn id="4" fill="hold" nodeType="withGroup">
+                            <p:stCondLst>
+                              <p:cond delay="0"/>
+                            </p:stCondLst>
+                            <p:childTnLst>
+                              <p:par>
+                                <p:cTn id="5" presetID="10" presetClass="entr" presetSubtype="0" fill="hold" nodeType="clickEffect">
+                                  <p:stCondLst>
+                                    <p:cond delay="0"/>
+                                  </p:stCondLst>
+                                  <p:childTnLst>
+                                    <p:set>
+                                      <p:cBhvr>
+                                        <p:cTn id="6" dur="1" fill="hold">
+                                          <p:stCondLst>
+                                            <p:cond delay="0"/>
+                                          </p:stCondLst>
+                                        </p:cTn>
+                                        <p:tgtEl>
+                                          <p:spTgt spid="221187"/>
+                                        </p:tgtEl>
+                                        <p:attrNameLst>
+                                          <p:attrName>style.visibility</p:attrName>
+                                        </p:attrNameLst>
+                                      </p:cBhvr>
+                                      <p:to>
+                                        <p:strVal val="visible"/>
+                                      </p:to>
+                                    </p:set>
+                                    <p:animEffect transition="in" filter="fade">
+                                      <p:cBhvr>
+                                        <p:cTn id="7" dur="500"/>
+                                        <p:tgtEl>
+                                          <p:spTgt spid="221187"/>
+                                        </p:tgtEl>
+                                      </p:cBhvr>
+                                    </p:animEffect>
+                                  </p:childTnLst>
+                                </p:cTn>
+                              </p:par>
+                            </p:childTnLst>
+                          </p:cTn>
+                        </p:par>
+                      </p:childTnLst>
+                    </p:cTn>
+                  </p:par>
+                </p:childTnLst>
+              </p:cTn>
+              <p:prevCondLst>
+                <p:cond evt="onPrev" delay="0">
+                  <p:tgtEl>
+                    <p:sldTgt/>
+                  </p:tgtEl>
+                </p:cond>
+              </p:prevCondLst>
+              <p:nextCondLst>
+                <p:cond evt="onNext" delay="0">
+                  <p:tgtEl>
+                    <p:sldTgt/>
+                  </p:tgtEl>
+                </p:cond>
+              </p:nextCondLst>
+            </p:seq>
+          </p:childTnLst>
+        </p:cTn>
+      </p:par>
+    </p:tnLst>
+  </p:timing>
 </p:sld>
 </file>
 
